--- a/4.1 Entity Relationship Modeling.pptx
+++ b/4.1 Entity Relationship Modeling.pptx
@@ -5,7 +5,7 @@
     <p:sldMasterId id="2147483648" r:id="rId1"/>
   </p:sldMasterIdLst>
   <p:notesMasterIdLst>
-    <p:notesMasterId r:id="rId21"/>
+    <p:notesMasterId r:id="rId22"/>
   </p:notesMasterIdLst>
   <p:sldIdLst>
     <p:sldId id="256" r:id="rId2"/>
@@ -21,12 +21,13 @@
     <p:sldId id="261" r:id="rId12"/>
     <p:sldId id="263" r:id="rId13"/>
     <p:sldId id="265" r:id="rId14"/>
-    <p:sldId id="292" r:id="rId15"/>
-    <p:sldId id="266" r:id="rId16"/>
-    <p:sldId id="267" r:id="rId17"/>
-    <p:sldId id="287" r:id="rId18"/>
-    <p:sldId id="289" r:id="rId19"/>
-    <p:sldId id="269" r:id="rId20"/>
+    <p:sldId id="295" r:id="rId15"/>
+    <p:sldId id="292" r:id="rId16"/>
+    <p:sldId id="266" r:id="rId17"/>
+    <p:sldId id="267" r:id="rId18"/>
+    <p:sldId id="287" r:id="rId19"/>
+    <p:sldId id="289" r:id="rId20"/>
+    <p:sldId id="269" r:id="rId21"/>
   </p:sldIdLst>
   <p:sldSz cx="9144000" cy="6858000" type="screen4x3"/>
   <p:notesSz cx="6858000" cy="9144000"/>
@@ -226,7 +227,7 @@
           <a:p>
             <a:fld id="{7635EFA9-23F7-4E5B-83AA-FF8CC099A7A1}" type="datetimeFigureOut">
               <a:rPr lang="en-US" smtClean="0"/>
-              <a:t>9/23/2016</a:t>
+              <a:t>9/27/2016</a:t>
             </a:fld>
             <a:endParaRPr lang="en-US"/>
           </a:p>
@@ -2071,7 +2072,7 @@
           <a:p>
             <a:fld id="{D26DC81C-C5B1-4B91-87AE-E66CD3EB9C94}" type="datetimeFigureOut">
               <a:rPr lang="en-US" smtClean="0"/>
-              <a:t>9/23/2016</a:t>
+              <a:t>9/27/2016</a:t>
             </a:fld>
             <a:endParaRPr lang="en-US"/>
           </a:p>
@@ -2241,7 +2242,7 @@
           <a:p>
             <a:fld id="{D26DC81C-C5B1-4B91-87AE-E66CD3EB9C94}" type="datetimeFigureOut">
               <a:rPr lang="en-US" smtClean="0"/>
-              <a:t>9/23/2016</a:t>
+              <a:t>9/27/2016</a:t>
             </a:fld>
             <a:endParaRPr lang="en-US"/>
           </a:p>
@@ -2421,7 +2422,7 @@
           <a:p>
             <a:fld id="{D26DC81C-C5B1-4B91-87AE-E66CD3EB9C94}" type="datetimeFigureOut">
               <a:rPr lang="en-US" smtClean="0"/>
-              <a:t>9/23/2016</a:t>
+              <a:t>9/27/2016</a:t>
             </a:fld>
             <a:endParaRPr lang="en-US"/>
           </a:p>
@@ -2591,7 +2592,7 @@
           <a:p>
             <a:fld id="{D26DC81C-C5B1-4B91-87AE-E66CD3EB9C94}" type="datetimeFigureOut">
               <a:rPr lang="en-US" smtClean="0"/>
-              <a:t>9/23/2016</a:t>
+              <a:t>9/27/2016</a:t>
             </a:fld>
             <a:endParaRPr lang="en-US"/>
           </a:p>
@@ -2837,7 +2838,7 @@
           <a:p>
             <a:fld id="{D26DC81C-C5B1-4B91-87AE-E66CD3EB9C94}" type="datetimeFigureOut">
               <a:rPr lang="en-US" smtClean="0"/>
-              <a:t>9/23/2016</a:t>
+              <a:t>9/27/2016</a:t>
             </a:fld>
             <a:endParaRPr lang="en-US"/>
           </a:p>
@@ -3125,7 +3126,7 @@
           <a:p>
             <a:fld id="{D26DC81C-C5B1-4B91-87AE-E66CD3EB9C94}" type="datetimeFigureOut">
               <a:rPr lang="en-US" smtClean="0"/>
-              <a:t>9/23/2016</a:t>
+              <a:t>9/27/2016</a:t>
             </a:fld>
             <a:endParaRPr lang="en-US"/>
           </a:p>
@@ -3547,7 +3548,7 @@
           <a:p>
             <a:fld id="{D26DC81C-C5B1-4B91-87AE-E66CD3EB9C94}" type="datetimeFigureOut">
               <a:rPr lang="en-US" smtClean="0"/>
-              <a:t>9/23/2016</a:t>
+              <a:t>9/27/2016</a:t>
             </a:fld>
             <a:endParaRPr lang="en-US"/>
           </a:p>
@@ -3665,7 +3666,7 @@
           <a:p>
             <a:fld id="{D26DC81C-C5B1-4B91-87AE-E66CD3EB9C94}" type="datetimeFigureOut">
               <a:rPr lang="en-US" smtClean="0"/>
-              <a:t>9/23/2016</a:t>
+              <a:t>9/27/2016</a:t>
             </a:fld>
             <a:endParaRPr lang="en-US"/>
           </a:p>
@@ -3760,7 +3761,7 @@
           <a:p>
             <a:fld id="{D26DC81C-C5B1-4B91-87AE-E66CD3EB9C94}" type="datetimeFigureOut">
               <a:rPr lang="en-US" smtClean="0"/>
-              <a:t>9/23/2016</a:t>
+              <a:t>9/27/2016</a:t>
             </a:fld>
             <a:endParaRPr lang="en-US"/>
           </a:p>
@@ -4037,7 +4038,7 @@
           <a:p>
             <a:fld id="{D26DC81C-C5B1-4B91-87AE-E66CD3EB9C94}" type="datetimeFigureOut">
               <a:rPr lang="en-US" smtClean="0"/>
-              <a:t>9/23/2016</a:t>
+              <a:t>9/27/2016</a:t>
             </a:fld>
             <a:endParaRPr lang="en-US"/>
           </a:p>
@@ -4290,7 +4291,7 @@
           <a:p>
             <a:fld id="{D26DC81C-C5B1-4B91-87AE-E66CD3EB9C94}" type="datetimeFigureOut">
               <a:rPr lang="en-US" smtClean="0"/>
-              <a:t>9/23/2016</a:t>
+              <a:t>9/27/2016</a:t>
             </a:fld>
             <a:endParaRPr lang="en-US"/>
           </a:p>
@@ -4503,7 +4504,7 @@
           <a:p>
             <a:fld id="{D26DC81C-C5B1-4B91-87AE-E66CD3EB9C94}" type="datetimeFigureOut">
               <a:rPr lang="en-US" smtClean="0"/>
-              <a:t>9/23/2016</a:t>
+              <a:t>9/27/2016</a:t>
             </a:fld>
             <a:endParaRPr lang="en-US"/>
           </a:p>
@@ -5780,11 +5781,7 @@
             </a:r>
             <a:r>
               <a:rPr lang="en-US" sz="2200" smtClean="0"/>
-              <a:t>employees</a:t>
-            </a:r>
-            <a:r>
-              <a:rPr lang="en-US" sz="2200" smtClean="0"/>
-              <a:t>.</a:t>
+              <a:t>employees.</a:t>
             </a:r>
           </a:p>
           <a:p>
@@ -6029,6 +6026,120 @@
             <p:ph type="title"/>
           </p:nvPr>
         </p:nvSpPr>
+        <p:spPr/>
+        <p:txBody>
+          <a:bodyPr/>
+          <a:lstStyle/>
+          <a:p>
+            <a:r>
+              <a:rPr lang="en-US" smtClean="0"/>
+              <a:t>Crow’s Foot Symbols</a:t>
+            </a:r>
+            <a:endParaRPr lang="en-US"/>
+          </a:p>
+        </p:txBody>
+      </p:sp>
+      <p:pic>
+        <p:nvPicPr>
+          <p:cNvPr id="5" name="Picture 5" descr="G:\DBSystems\Figures\C7888_04\C7888_04\Tbl04-03.bmp"/>
+          <p:cNvPicPr>
+            <a:picLocks noChangeAspect="1" noChangeArrowheads="1"/>
+          </p:cNvPicPr>
+          <p:nvPr/>
+        </p:nvPicPr>
+        <p:blipFill>
+          <a:blip r:embed="rId2">
+            <a:extLst>
+              <a:ext uri="{28A0092B-C50C-407E-A947-70E740481C1C}">
+                <a14:useLocalDpi xmlns:a14="http://schemas.microsoft.com/office/drawing/2010/main" val="0"/>
+              </a:ext>
+            </a:extLst>
+          </a:blip>
+          <a:srcRect/>
+          <a:stretch>
+            <a:fillRect/>
+          </a:stretch>
+        </p:blipFill>
+        <p:spPr bwMode="auto">
+          <a:xfrm>
+            <a:off x="327025" y="1600200"/>
+            <a:ext cx="8186738" cy="2286000"/>
+          </a:xfrm>
+          <a:prstGeom prst="rect">
+            <a:avLst/>
+          </a:prstGeom>
+          <a:noFill/>
+          <a:ln>
+            <a:noFill/>
+          </a:ln>
+          <a:extLst>
+            <a:ext uri="{909E8E84-426E-40DD-AFC4-6F175D3DCCD1}">
+              <a14:hiddenFill xmlns:a14="http://schemas.microsoft.com/office/drawing/2010/main">
+                <a:solidFill>
+                  <a:srgbClr val="FFFFFF"/>
+                </a:solidFill>
+              </a14:hiddenFill>
+            </a:ext>
+            <a:ext uri="{91240B29-F687-4F45-9708-019B960494DF}">
+              <a14:hiddenLine xmlns:a14="http://schemas.microsoft.com/office/drawing/2010/main" w="9525">
+                <a:solidFill>
+                  <a:srgbClr val="000000"/>
+                </a:solidFill>
+                <a:miter lim="800000"/>
+                <a:headEnd/>
+                <a:tailEnd/>
+              </a14:hiddenLine>
+            </a:ext>
+          </a:extLst>
+        </p:spPr>
+      </p:pic>
+    </p:spTree>
+    <p:extLst>
+      <p:ext uri="{BB962C8B-B14F-4D97-AF65-F5344CB8AC3E}">
+        <p14:creationId xmlns:p14="http://schemas.microsoft.com/office/powerpoint/2010/main" val="2106383486"/>
+      </p:ext>
+    </p:extLst>
+  </p:cSld>
+  <p:clrMapOvr>
+    <a:masterClrMapping/>
+  </p:clrMapOvr>
+  <p:timing>
+    <p:tnLst>
+      <p:par>
+        <p:cTn id="1" dur="indefinite" restart="never" nodeType="tmRoot"/>
+      </p:par>
+    </p:tnLst>
+  </p:timing>
+</p:sld>
+</file>
+
+<file path=ppt/slides/slide15.xml><?xml version="1.0" encoding="utf-8"?>
+<p:sld xmlns:a="http://schemas.openxmlformats.org/drawingml/2006/main" xmlns:r="http://schemas.openxmlformats.org/officeDocument/2006/relationships" xmlns:p="http://schemas.openxmlformats.org/presentationml/2006/main">
+  <p:cSld>
+    <p:spTree>
+      <p:nvGrpSpPr>
+        <p:cNvPr id="1" name=""/>
+        <p:cNvGrpSpPr/>
+        <p:nvPr/>
+      </p:nvGrpSpPr>
+      <p:grpSpPr>
+        <a:xfrm>
+          <a:off x="0" y="0"/>
+          <a:ext cx="0" cy="0"/>
+          <a:chOff x="0" y="0"/>
+          <a:chExt cx="0" cy="0"/>
+        </a:xfrm>
+      </p:grpSpPr>
+      <p:sp>
+        <p:nvSpPr>
+          <p:cNvPr id="2" name="Title 1"/>
+          <p:cNvSpPr>
+            <a:spLocks noGrp="1"/>
+          </p:cNvSpPr>
+          <p:nvPr>
+            <p:ph type="title"/>
+          </p:nvPr>
+        </p:nvSpPr>
         <p:spPr>
           <a:xfrm>
             <a:off x="481781" y="609600"/>
@@ -6170,7 +6281,7 @@
 </p:sld>
 </file>
 
-<file path=ppt/slides/slide15.xml><?xml version="1.0" encoding="utf-8"?>
+<file path=ppt/slides/slide16.xml><?xml version="1.0" encoding="utf-8"?>
 <p:sld xmlns:a="http://schemas.openxmlformats.org/drawingml/2006/main" xmlns:r="http://schemas.openxmlformats.org/officeDocument/2006/relationships" xmlns:p="http://schemas.openxmlformats.org/presentationml/2006/main">
   <p:cSld>
     <p:spTree>
@@ -6433,306 +6544,6 @@
 </p:sld>
 </file>
 
-<file path=ppt/slides/slide16.xml><?xml version="1.0" encoding="utf-8"?>
-<p:sld xmlns:a="http://schemas.openxmlformats.org/drawingml/2006/main" xmlns:r="http://schemas.openxmlformats.org/officeDocument/2006/relationships" xmlns:p="http://schemas.openxmlformats.org/presentationml/2006/main">
-  <p:cSld>
-    <p:spTree>
-      <p:nvGrpSpPr>
-        <p:cNvPr id="1" name=""/>
-        <p:cNvGrpSpPr/>
-        <p:nvPr/>
-      </p:nvGrpSpPr>
-      <p:grpSpPr>
-        <a:xfrm>
-          <a:off x="0" y="0"/>
-          <a:ext cx="0" cy="0"/>
-          <a:chOff x="0" y="0"/>
-          <a:chExt cx="0" cy="0"/>
-        </a:xfrm>
-      </p:grpSpPr>
-      <p:sp>
-        <p:nvSpPr>
-          <p:cNvPr id="2" name="Title 1"/>
-          <p:cNvSpPr>
-            <a:spLocks noGrp="1"/>
-          </p:cNvSpPr>
-          <p:nvPr>
-            <p:ph type="title"/>
-          </p:nvPr>
-        </p:nvSpPr>
-        <p:spPr>
-          <a:xfrm>
-            <a:off x="533400" y="366252"/>
-            <a:ext cx="8229600" cy="1143000"/>
-          </a:xfrm>
-        </p:spPr>
-        <p:txBody>
-          <a:bodyPr/>
-          <a:lstStyle/>
-          <a:p>
-            <a:r>
-              <a:rPr lang="en-US" smtClean="0"/>
-              <a:t>Terminology</a:t>
-            </a:r>
-            <a:endParaRPr lang="en-US"/>
-          </a:p>
-        </p:txBody>
-      </p:sp>
-      <p:sp>
-        <p:nvSpPr>
-          <p:cNvPr id="3" name="Content Placeholder 2"/>
-          <p:cNvSpPr>
-            <a:spLocks noGrp="1"/>
-          </p:cNvSpPr>
-          <p:nvPr>
-            <p:ph idx="1"/>
-          </p:nvPr>
-        </p:nvSpPr>
-        <p:spPr>
-          <a:xfrm>
-            <a:off x="381000" y="1447800"/>
-            <a:ext cx="8534400" cy="5410200"/>
-          </a:xfrm>
-        </p:spPr>
-        <p:txBody>
-          <a:bodyPr>
-            <a:normAutofit/>
-          </a:bodyPr>
-          <a:lstStyle/>
-          <a:p>
-            <a:r>
-              <a:rPr lang="en-US" sz="2400">
-                <a:solidFill>
-                  <a:srgbClr val="FF0000"/>
-                </a:solidFill>
-              </a:rPr>
-              <a:t>Required attribute</a:t>
-            </a:r>
-            <a:r>
-              <a:rPr lang="en-US" sz="2400"/>
-              <a:t>: must have a </a:t>
-            </a:r>
-            <a:r>
-              <a:rPr lang="en-US" sz="2400" smtClean="0"/>
-              <a:t>value.</a:t>
-            </a:r>
-          </a:p>
-          <a:p>
-            <a:pPr lvl="1"/>
-            <a:r>
-              <a:rPr lang="en-US" sz="2000" b="1" smtClean="0"/>
-              <a:t>Bolded</a:t>
-            </a:r>
-            <a:r>
-              <a:rPr lang="en-US" sz="2000" smtClean="0"/>
-              <a:t> in ERD.</a:t>
-            </a:r>
-            <a:endParaRPr lang="en-US" sz="2000"/>
-          </a:p>
-          <a:p>
-            <a:r>
-              <a:rPr lang="en-US" sz="2400">
-                <a:solidFill>
-                  <a:srgbClr val="FF0000"/>
-                </a:solidFill>
-              </a:rPr>
-              <a:t>Optional attribute</a:t>
-            </a:r>
-            <a:r>
-              <a:rPr lang="en-US" sz="2400"/>
-              <a:t>: may be left </a:t>
-            </a:r>
-            <a:r>
-              <a:rPr lang="en-US" sz="2400" smtClean="0"/>
-              <a:t>empty.</a:t>
-            </a:r>
-            <a:endParaRPr lang="en-US" sz="2400"/>
-          </a:p>
-          <a:p>
-            <a:r>
-              <a:rPr lang="en-US" sz="2400">
-                <a:solidFill>
-                  <a:srgbClr val="FF0000"/>
-                </a:solidFill>
-              </a:rPr>
-              <a:t>Domain</a:t>
-            </a:r>
-            <a:r>
-              <a:rPr lang="en-US" sz="2400"/>
-              <a:t>: </a:t>
-            </a:r>
-            <a:r>
-              <a:rPr lang="en-US" sz="2400">
-                <a:solidFill>
-                  <a:srgbClr val="0070C0"/>
-                </a:solidFill>
-              </a:rPr>
-              <a:t>set of possible values for an </a:t>
-            </a:r>
-            <a:r>
-              <a:rPr lang="en-US" sz="2400" smtClean="0">
-                <a:solidFill>
-                  <a:srgbClr val="0070C0"/>
-                </a:solidFill>
-              </a:rPr>
-              <a:t>attribute</a:t>
-            </a:r>
-            <a:r>
-              <a:rPr lang="en-US" sz="2400" smtClean="0"/>
-              <a:t>.</a:t>
-            </a:r>
-            <a:endParaRPr lang="en-US" sz="2400"/>
-          </a:p>
-          <a:p>
-            <a:pPr lvl="1"/>
-            <a:r>
-              <a:rPr lang="en-US" sz="2000"/>
-              <a:t>Attributes may share a </a:t>
-            </a:r>
-            <a:r>
-              <a:rPr lang="en-US" sz="2000" smtClean="0"/>
-              <a:t>domain; e.g. STUDENT_ADDRESS, INSTRUCTOR_ADDRESS.</a:t>
-            </a:r>
-            <a:endParaRPr lang="en-US" sz="2000"/>
-          </a:p>
-          <a:p>
-            <a:r>
-              <a:rPr lang="en-US" sz="2400">
-                <a:solidFill>
-                  <a:srgbClr val="FF0000"/>
-                </a:solidFill>
-              </a:rPr>
-              <a:t>Identifiers</a:t>
-            </a:r>
-            <a:r>
-              <a:rPr lang="en-US" sz="2400"/>
-              <a:t>: </a:t>
-            </a:r>
-            <a:r>
-              <a:rPr lang="en-US" sz="2400">
-                <a:solidFill>
-                  <a:srgbClr val="0070C0"/>
-                </a:solidFill>
-              </a:rPr>
-              <a:t>one or more attributes that uniquely identify each entity </a:t>
-            </a:r>
-            <a:r>
-              <a:rPr lang="en-US" sz="2400" smtClean="0">
-                <a:solidFill>
-                  <a:srgbClr val="0070C0"/>
-                </a:solidFill>
-              </a:rPr>
-              <a:t>instance</a:t>
-            </a:r>
-            <a:r>
-              <a:rPr lang="en-US" sz="2400" smtClean="0"/>
-              <a:t>.</a:t>
-            </a:r>
-          </a:p>
-          <a:p>
-            <a:pPr lvl="1"/>
-            <a:r>
-              <a:rPr lang="en-US" sz="2200" u="sng" smtClean="0"/>
-              <a:t>Underlined</a:t>
-            </a:r>
-            <a:r>
-              <a:rPr lang="en-US" sz="2200" smtClean="0"/>
-              <a:t> in the ERD.</a:t>
-            </a:r>
-            <a:endParaRPr lang="en-US" sz="2200"/>
-          </a:p>
-          <a:p>
-            <a:pPr lvl="1"/>
-            <a:r>
-              <a:rPr lang="en-US" sz="2200" smtClean="0">
-                <a:solidFill>
-                  <a:srgbClr val="FF0000"/>
-                </a:solidFill>
-              </a:rPr>
-              <a:t>Composite </a:t>
-            </a:r>
-            <a:r>
-              <a:rPr lang="en-US" sz="2200">
-                <a:solidFill>
-                  <a:srgbClr val="FF0000"/>
-                </a:solidFill>
-              </a:rPr>
-              <a:t>identifier</a:t>
-            </a:r>
-            <a:r>
-              <a:rPr lang="en-US" sz="2200"/>
-              <a:t>: </a:t>
-            </a:r>
-            <a:r>
-              <a:rPr lang="en-US" sz="2200" smtClean="0"/>
-              <a:t>identifier composed </a:t>
-            </a:r>
-            <a:r>
-              <a:rPr lang="en-US" sz="2200"/>
-              <a:t>of </a:t>
-            </a:r>
-            <a:r>
-              <a:rPr lang="en-US" sz="2200">
-                <a:solidFill>
-                  <a:srgbClr val="0070C0"/>
-                </a:solidFill>
-              </a:rPr>
-              <a:t>more than one </a:t>
-            </a:r>
-            <a:r>
-              <a:rPr lang="en-US" sz="2200" smtClean="0">
-                <a:solidFill>
-                  <a:srgbClr val="0070C0"/>
-                </a:solidFill>
-              </a:rPr>
-              <a:t>attribute</a:t>
-            </a:r>
-            <a:r>
-              <a:rPr lang="en-US" sz="2200" smtClean="0"/>
-              <a:t>.</a:t>
-            </a:r>
-          </a:p>
-          <a:p>
-            <a:pPr lvl="1"/>
-            <a:r>
-              <a:rPr lang="en-US" sz="2400" smtClean="0"/>
-              <a:t>NOTE: An identifier does NOT depend on the actual data.</a:t>
-            </a:r>
-          </a:p>
-          <a:p>
-            <a:pPr lvl="1"/>
-            <a:r>
-              <a:rPr lang="en-US" sz="2400" smtClean="0"/>
-              <a:t>One of the identifiers will become the primary key.</a:t>
-            </a:r>
-          </a:p>
-          <a:p>
-            <a:pPr marL="457200" lvl="1" indent="0">
-              <a:buNone/>
-            </a:pPr>
-            <a:endParaRPr lang="en-US" sz="2200" smtClean="0"/>
-          </a:p>
-          <a:p>
-            <a:endParaRPr lang="en-US" sz="2400"/>
-          </a:p>
-          <a:p>
-            <a:endParaRPr lang="en-US"/>
-          </a:p>
-        </p:txBody>
-      </p:sp>
-    </p:spTree>
-    <p:extLst>
-      <p:ext uri="{BB962C8B-B14F-4D97-AF65-F5344CB8AC3E}">
-        <p14:creationId xmlns:p14="http://schemas.microsoft.com/office/powerpoint/2010/main" val="2775253068"/>
-      </p:ext>
-    </p:extLst>
-  </p:cSld>
-  <p:clrMapOvr>
-    <a:masterClrMapping/>
-  </p:clrMapOvr>
-</p:sld>
-</file>
-
 <file path=ppt/slides/slide17.xml><?xml version="1.0" encoding="utf-8"?>
 <p:sld xmlns:a="http://schemas.openxmlformats.org/drawingml/2006/main" xmlns:r="http://schemas.openxmlformats.org/officeDocument/2006/relationships" xmlns:p="http://schemas.openxmlformats.org/presentationml/2006/main">
   <p:cSld>
@@ -6762,6 +6573,306 @@
         </p:nvSpPr>
         <p:spPr>
           <a:xfrm>
+            <a:off x="533400" y="366252"/>
+            <a:ext cx="8229600" cy="1143000"/>
+          </a:xfrm>
+        </p:spPr>
+        <p:txBody>
+          <a:bodyPr/>
+          <a:lstStyle/>
+          <a:p>
+            <a:r>
+              <a:rPr lang="en-US" smtClean="0"/>
+              <a:t>Terminology</a:t>
+            </a:r>
+            <a:endParaRPr lang="en-US"/>
+          </a:p>
+        </p:txBody>
+      </p:sp>
+      <p:sp>
+        <p:nvSpPr>
+          <p:cNvPr id="3" name="Content Placeholder 2"/>
+          <p:cNvSpPr>
+            <a:spLocks noGrp="1"/>
+          </p:cNvSpPr>
+          <p:nvPr>
+            <p:ph idx="1"/>
+          </p:nvPr>
+        </p:nvSpPr>
+        <p:spPr>
+          <a:xfrm>
+            <a:off x="381000" y="1447800"/>
+            <a:ext cx="8534400" cy="5410200"/>
+          </a:xfrm>
+        </p:spPr>
+        <p:txBody>
+          <a:bodyPr>
+            <a:normAutofit/>
+          </a:bodyPr>
+          <a:lstStyle/>
+          <a:p>
+            <a:r>
+              <a:rPr lang="en-US" sz="2400">
+                <a:solidFill>
+                  <a:srgbClr val="FF0000"/>
+                </a:solidFill>
+              </a:rPr>
+              <a:t>Required attribute</a:t>
+            </a:r>
+            <a:r>
+              <a:rPr lang="en-US" sz="2400"/>
+              <a:t>: must have a </a:t>
+            </a:r>
+            <a:r>
+              <a:rPr lang="en-US" sz="2400" smtClean="0"/>
+              <a:t>value.</a:t>
+            </a:r>
+          </a:p>
+          <a:p>
+            <a:pPr lvl="1"/>
+            <a:r>
+              <a:rPr lang="en-US" sz="2000" b="1" smtClean="0"/>
+              <a:t>Bolded</a:t>
+            </a:r>
+            <a:r>
+              <a:rPr lang="en-US" sz="2000" smtClean="0"/>
+              <a:t> in ERD.</a:t>
+            </a:r>
+            <a:endParaRPr lang="en-US" sz="2000"/>
+          </a:p>
+          <a:p>
+            <a:r>
+              <a:rPr lang="en-US" sz="2400">
+                <a:solidFill>
+                  <a:srgbClr val="FF0000"/>
+                </a:solidFill>
+              </a:rPr>
+              <a:t>Optional attribute</a:t>
+            </a:r>
+            <a:r>
+              <a:rPr lang="en-US" sz="2400"/>
+              <a:t>: may be left </a:t>
+            </a:r>
+            <a:r>
+              <a:rPr lang="en-US" sz="2400" smtClean="0"/>
+              <a:t>empty.</a:t>
+            </a:r>
+            <a:endParaRPr lang="en-US" sz="2400"/>
+          </a:p>
+          <a:p>
+            <a:r>
+              <a:rPr lang="en-US" sz="2400">
+                <a:solidFill>
+                  <a:srgbClr val="FF0000"/>
+                </a:solidFill>
+              </a:rPr>
+              <a:t>Domain</a:t>
+            </a:r>
+            <a:r>
+              <a:rPr lang="en-US" sz="2400"/>
+              <a:t>: </a:t>
+            </a:r>
+            <a:r>
+              <a:rPr lang="en-US" sz="2400">
+                <a:solidFill>
+                  <a:srgbClr val="0070C0"/>
+                </a:solidFill>
+              </a:rPr>
+              <a:t>set of possible values for an </a:t>
+            </a:r>
+            <a:r>
+              <a:rPr lang="en-US" sz="2400" smtClean="0">
+                <a:solidFill>
+                  <a:srgbClr val="0070C0"/>
+                </a:solidFill>
+              </a:rPr>
+              <a:t>attribute</a:t>
+            </a:r>
+            <a:r>
+              <a:rPr lang="en-US" sz="2400" smtClean="0"/>
+              <a:t>.</a:t>
+            </a:r>
+            <a:endParaRPr lang="en-US" sz="2400"/>
+          </a:p>
+          <a:p>
+            <a:pPr lvl="1"/>
+            <a:r>
+              <a:rPr lang="en-US" sz="2000"/>
+              <a:t>Attributes may share a </a:t>
+            </a:r>
+            <a:r>
+              <a:rPr lang="en-US" sz="2000" smtClean="0"/>
+              <a:t>domain; e.g. STUDENT_ADDRESS, INSTRUCTOR_ADDRESS.</a:t>
+            </a:r>
+            <a:endParaRPr lang="en-US" sz="2000"/>
+          </a:p>
+          <a:p>
+            <a:r>
+              <a:rPr lang="en-US" sz="2400">
+                <a:solidFill>
+                  <a:srgbClr val="FF0000"/>
+                </a:solidFill>
+              </a:rPr>
+              <a:t>Identifiers</a:t>
+            </a:r>
+            <a:r>
+              <a:rPr lang="en-US" sz="2400"/>
+              <a:t>: </a:t>
+            </a:r>
+            <a:r>
+              <a:rPr lang="en-US" sz="2400">
+                <a:solidFill>
+                  <a:srgbClr val="0070C0"/>
+                </a:solidFill>
+              </a:rPr>
+              <a:t>one or more attributes that uniquely identify each entity </a:t>
+            </a:r>
+            <a:r>
+              <a:rPr lang="en-US" sz="2400" smtClean="0">
+                <a:solidFill>
+                  <a:srgbClr val="0070C0"/>
+                </a:solidFill>
+              </a:rPr>
+              <a:t>instance</a:t>
+            </a:r>
+            <a:r>
+              <a:rPr lang="en-US" sz="2400" smtClean="0"/>
+              <a:t>.</a:t>
+            </a:r>
+          </a:p>
+          <a:p>
+            <a:pPr lvl="1"/>
+            <a:r>
+              <a:rPr lang="en-US" sz="2200" u="sng" smtClean="0"/>
+              <a:t>Underlined</a:t>
+            </a:r>
+            <a:r>
+              <a:rPr lang="en-US" sz="2200" smtClean="0"/>
+              <a:t> in the ERD.</a:t>
+            </a:r>
+            <a:endParaRPr lang="en-US" sz="2200"/>
+          </a:p>
+          <a:p>
+            <a:pPr lvl="1"/>
+            <a:r>
+              <a:rPr lang="en-US" sz="2200" smtClean="0">
+                <a:solidFill>
+                  <a:srgbClr val="FF0000"/>
+                </a:solidFill>
+              </a:rPr>
+              <a:t>Composite </a:t>
+            </a:r>
+            <a:r>
+              <a:rPr lang="en-US" sz="2200">
+                <a:solidFill>
+                  <a:srgbClr val="FF0000"/>
+                </a:solidFill>
+              </a:rPr>
+              <a:t>identifier</a:t>
+            </a:r>
+            <a:r>
+              <a:rPr lang="en-US" sz="2200"/>
+              <a:t>: </a:t>
+            </a:r>
+            <a:r>
+              <a:rPr lang="en-US" sz="2200" smtClean="0"/>
+              <a:t>identifier composed </a:t>
+            </a:r>
+            <a:r>
+              <a:rPr lang="en-US" sz="2200"/>
+              <a:t>of </a:t>
+            </a:r>
+            <a:r>
+              <a:rPr lang="en-US" sz="2200">
+                <a:solidFill>
+                  <a:srgbClr val="0070C0"/>
+                </a:solidFill>
+              </a:rPr>
+              <a:t>more than one </a:t>
+            </a:r>
+            <a:r>
+              <a:rPr lang="en-US" sz="2200" smtClean="0">
+                <a:solidFill>
+                  <a:srgbClr val="0070C0"/>
+                </a:solidFill>
+              </a:rPr>
+              <a:t>attribute</a:t>
+            </a:r>
+            <a:r>
+              <a:rPr lang="en-US" sz="2200" smtClean="0"/>
+              <a:t>.</a:t>
+            </a:r>
+          </a:p>
+          <a:p>
+            <a:pPr lvl="1"/>
+            <a:r>
+              <a:rPr lang="en-US" sz="2400" smtClean="0"/>
+              <a:t>NOTE: An identifier does NOT depend on the actual data.</a:t>
+            </a:r>
+          </a:p>
+          <a:p>
+            <a:pPr lvl="1"/>
+            <a:r>
+              <a:rPr lang="en-US" sz="2400" smtClean="0"/>
+              <a:t>One of the identifiers will become the primary key.</a:t>
+            </a:r>
+          </a:p>
+          <a:p>
+            <a:pPr marL="457200" lvl="1" indent="0">
+              <a:buNone/>
+            </a:pPr>
+            <a:endParaRPr lang="en-US" sz="2200" smtClean="0"/>
+          </a:p>
+          <a:p>
+            <a:endParaRPr lang="en-US" sz="2400"/>
+          </a:p>
+          <a:p>
+            <a:endParaRPr lang="en-US"/>
+          </a:p>
+        </p:txBody>
+      </p:sp>
+    </p:spTree>
+    <p:extLst>
+      <p:ext uri="{BB962C8B-B14F-4D97-AF65-F5344CB8AC3E}">
+        <p14:creationId xmlns:p14="http://schemas.microsoft.com/office/powerpoint/2010/main" val="2775253068"/>
+      </p:ext>
+    </p:extLst>
+  </p:cSld>
+  <p:clrMapOvr>
+    <a:masterClrMapping/>
+  </p:clrMapOvr>
+</p:sld>
+</file>
+
+<file path=ppt/slides/slide18.xml><?xml version="1.0" encoding="utf-8"?>
+<p:sld xmlns:a="http://schemas.openxmlformats.org/drawingml/2006/main" xmlns:r="http://schemas.openxmlformats.org/officeDocument/2006/relationships" xmlns:p="http://schemas.openxmlformats.org/presentationml/2006/main">
+  <p:cSld>
+    <p:spTree>
+      <p:nvGrpSpPr>
+        <p:cNvPr id="1" name=""/>
+        <p:cNvGrpSpPr/>
+        <p:nvPr/>
+      </p:nvGrpSpPr>
+      <p:grpSpPr>
+        <a:xfrm>
+          <a:off x="0" y="0"/>
+          <a:ext cx="0" cy="0"/>
+          <a:chOff x="0" y="0"/>
+          <a:chExt cx="0" cy="0"/>
+        </a:xfrm>
+      </p:grpSpPr>
+      <p:sp>
+        <p:nvSpPr>
+          <p:cNvPr id="2" name="Title 1"/>
+          <p:cNvSpPr>
+            <a:spLocks noGrp="1"/>
+          </p:cNvSpPr>
+          <p:nvPr>
+            <p:ph type="title"/>
+          </p:nvPr>
+        </p:nvSpPr>
+        <p:spPr>
+          <a:xfrm>
             <a:off x="457200" y="381000"/>
             <a:ext cx="8229600" cy="1143000"/>
           </a:xfrm>
@@ -6980,7 +7091,7 @@
 </p:sld>
 </file>
 
-<file path=ppt/slides/slide18.xml><?xml version="1.0" encoding="utf-8"?>
+<file path=ppt/slides/slide19.xml><?xml version="1.0" encoding="utf-8"?>
 <p:sld xmlns:a="http://schemas.openxmlformats.org/drawingml/2006/main" xmlns:r="http://schemas.openxmlformats.org/officeDocument/2006/relationships" xmlns:p="http://schemas.openxmlformats.org/presentationml/2006/main">
   <p:cSld>
     <p:spTree>
@@ -7210,7 +7321,216 @@
 </p:sld>
 </file>
 
-<file path=ppt/slides/slide19.xml><?xml version="1.0" encoding="utf-8"?>
+<file path=ppt/slides/slide2.xml><?xml version="1.0" encoding="utf-8"?>
+<p:sld xmlns:a="http://schemas.openxmlformats.org/drawingml/2006/main" xmlns:r="http://schemas.openxmlformats.org/officeDocument/2006/relationships" xmlns:p="http://schemas.openxmlformats.org/presentationml/2006/main">
+  <p:cSld>
+    <p:spTree>
+      <p:nvGrpSpPr>
+        <p:cNvPr id="1" name=""/>
+        <p:cNvGrpSpPr/>
+        <p:nvPr/>
+      </p:nvGrpSpPr>
+      <p:grpSpPr>
+        <a:xfrm>
+          <a:off x="0" y="0"/>
+          <a:ext cx="0" cy="0"/>
+          <a:chOff x="0" y="0"/>
+          <a:chExt cx="0" cy="0"/>
+        </a:xfrm>
+      </p:grpSpPr>
+      <p:sp>
+        <p:nvSpPr>
+          <p:cNvPr id="9218" name="Rectangle 4"/>
+          <p:cNvSpPr>
+            <a:spLocks noGrp="1" noChangeArrowheads="1"/>
+          </p:cNvSpPr>
+          <p:nvPr>
+            <p:ph type="title"/>
+          </p:nvPr>
+        </p:nvSpPr>
+        <p:spPr>
+          <a:xfrm>
+            <a:off x="609600" y="533400"/>
+            <a:ext cx="8229600" cy="792162"/>
+          </a:xfrm>
+        </p:spPr>
+        <p:txBody>
+          <a:bodyPr/>
+          <a:lstStyle/>
+          <a:p>
+            <a:r>
+              <a:rPr lang="en-US" dirty="0" smtClean="0"/>
+              <a:t>Business Rules</a:t>
+            </a:r>
+          </a:p>
+        </p:txBody>
+      </p:sp>
+      <p:sp>
+        <p:nvSpPr>
+          <p:cNvPr id="9219" name="Rectangle 5"/>
+          <p:cNvSpPr>
+            <a:spLocks noGrp="1" noChangeArrowheads="1"/>
+          </p:cNvSpPr>
+          <p:nvPr>
+            <p:ph type="body" idx="1"/>
+          </p:nvPr>
+        </p:nvSpPr>
+        <p:spPr>
+          <a:xfrm>
+            <a:off x="427703" y="1696065"/>
+            <a:ext cx="8077200" cy="5181600"/>
+          </a:xfrm>
+        </p:spPr>
+        <p:txBody>
+          <a:bodyPr>
+            <a:normAutofit/>
+          </a:bodyPr>
+          <a:lstStyle/>
+          <a:p>
+            <a:r>
+              <a:rPr lang="en-US" sz="2400" smtClean="0">
+                <a:solidFill>
+                  <a:srgbClr val="FF0000"/>
+                </a:solidFill>
+              </a:rPr>
+              <a:t>Business rules</a:t>
+            </a:r>
+            <a:r>
+              <a:rPr lang="en-US" sz="2400" smtClean="0"/>
+              <a:t> are </a:t>
+            </a:r>
+            <a:r>
+              <a:rPr lang="en-US" sz="2400" smtClean="0">
+                <a:solidFill>
+                  <a:srgbClr val="0070C0"/>
+                </a:solidFill>
+              </a:rPr>
+              <a:t>descriptions </a:t>
+            </a:r>
+            <a:r>
+              <a:rPr lang="en-US" sz="2400" dirty="0" smtClean="0">
+                <a:solidFill>
+                  <a:srgbClr val="0070C0"/>
+                </a:solidFill>
+              </a:rPr>
+              <a:t>of policies, procedures, or principles within a </a:t>
+            </a:r>
+            <a:r>
+              <a:rPr lang="en-US" sz="2400" smtClean="0">
+                <a:solidFill>
+                  <a:srgbClr val="0070C0"/>
+                </a:solidFill>
+              </a:rPr>
+              <a:t>specific organization that relate to the organization's use of data.</a:t>
+            </a:r>
+          </a:p>
+          <a:p>
+            <a:r>
+              <a:rPr lang="en-US" sz="2400" smtClean="0"/>
+              <a:t>Business rules describe the characteristics of the organization's data </a:t>
+            </a:r>
+            <a:r>
+              <a:rPr lang="en-US" sz="2400" dirty="0" smtClean="0"/>
+              <a:t>as viewed by </a:t>
+            </a:r>
+            <a:r>
+              <a:rPr lang="en-US" sz="2400" smtClean="0"/>
+              <a:t>the organization. </a:t>
+            </a:r>
+          </a:p>
+          <a:p>
+            <a:pPr lvl="1"/>
+            <a:r>
+              <a:rPr lang="en-US" sz="2000" smtClean="0"/>
+              <a:t>NOTE: The "organization" may not be a business.</a:t>
+            </a:r>
+          </a:p>
+          <a:p>
+            <a:r>
+              <a:rPr lang="en-US" sz="2400" smtClean="0"/>
+              <a:t>Ideally, each business rule should be </a:t>
+            </a:r>
+            <a:r>
+              <a:rPr lang="en-US" sz="2400" smtClean="0">
+                <a:solidFill>
+                  <a:srgbClr val="00B050"/>
+                </a:solidFill>
+              </a:rPr>
+              <a:t>brief, precise, unambiguous, </a:t>
+            </a:r>
+            <a:r>
+              <a:rPr lang="en-US" sz="2400" smtClean="0"/>
+              <a:t>and </a:t>
+            </a:r>
+            <a:r>
+              <a:rPr lang="en-US" sz="2400" smtClean="0">
+                <a:solidFill>
+                  <a:srgbClr val="00B050"/>
+                </a:solidFill>
+              </a:rPr>
+              <a:t>accurate</a:t>
+            </a:r>
+            <a:r>
+              <a:rPr lang="en-US" sz="2400" smtClean="0"/>
+              <a:t>.</a:t>
+            </a:r>
+          </a:p>
+          <a:p>
+            <a:r>
+              <a:rPr lang="en-US" sz="2400" smtClean="0"/>
+              <a:t>E.g.</a:t>
+            </a:r>
+          </a:p>
+          <a:p>
+            <a:pPr lvl="1"/>
+            <a:r>
+              <a:rPr lang="en-US" sz="2000" smtClean="0"/>
+              <a:t>A customer may generate many invoices.</a:t>
+            </a:r>
+          </a:p>
+          <a:p>
+            <a:pPr lvl="1"/>
+            <a:r>
+              <a:rPr lang="en-US" sz="2000" smtClean="0"/>
+              <a:t>An invoice is generated by only one customer.</a:t>
+            </a:r>
+          </a:p>
+          <a:p>
+            <a:pPr lvl="1"/>
+            <a:r>
+              <a:rPr lang="en-US" sz="2000" smtClean="0"/>
+              <a:t>A training session cannot be scheduled for fewer than 10 or more than 30 employees.</a:t>
+            </a:r>
+          </a:p>
+          <a:p>
+            <a:endParaRPr lang="en-US" sz="2400" smtClean="0"/>
+          </a:p>
+          <a:p>
+            <a:endParaRPr lang="en-US" sz="2400" dirty="0" smtClean="0"/>
+          </a:p>
+        </p:txBody>
+      </p:sp>
+    </p:spTree>
+    <p:extLst>
+      <p:ext uri="{BB962C8B-B14F-4D97-AF65-F5344CB8AC3E}">
+        <p14:creationId xmlns:p14="http://schemas.microsoft.com/office/powerpoint/2010/main" val="415984901"/>
+      </p:ext>
+    </p:extLst>
+  </p:cSld>
+  <p:clrMapOvr>
+    <a:masterClrMapping/>
+  </p:clrMapOvr>
+  <p:timing>
+    <p:tnLst>
+      <p:par>
+        <p:cTn id="1" dur="indefinite" restart="never" nodeType="tmRoot"/>
+      </p:par>
+    </p:tnLst>
+  </p:timing>
+</p:sld>
+</file>
+
+<file path=ppt/slides/slide20.xml><?xml version="1.0" encoding="utf-8"?>
 <p:sld xmlns:a="http://schemas.openxmlformats.org/drawingml/2006/main" xmlns:r="http://schemas.openxmlformats.org/officeDocument/2006/relationships" xmlns:p="http://schemas.openxmlformats.org/presentationml/2006/main">
   <p:cSld>
     <p:spTree>
@@ -7308,215 +7628,6 @@
     <p:extLst>
       <p:ext uri="{BB962C8B-B14F-4D97-AF65-F5344CB8AC3E}">
         <p14:creationId xmlns:p14="http://schemas.microsoft.com/office/powerpoint/2010/main" val="3225572339"/>
-      </p:ext>
-    </p:extLst>
-  </p:cSld>
-  <p:clrMapOvr>
-    <a:masterClrMapping/>
-  </p:clrMapOvr>
-  <p:timing>
-    <p:tnLst>
-      <p:par>
-        <p:cTn id="1" dur="indefinite" restart="never" nodeType="tmRoot"/>
-      </p:par>
-    </p:tnLst>
-  </p:timing>
-</p:sld>
-</file>
-
-<file path=ppt/slides/slide2.xml><?xml version="1.0" encoding="utf-8"?>
-<p:sld xmlns:a="http://schemas.openxmlformats.org/drawingml/2006/main" xmlns:r="http://schemas.openxmlformats.org/officeDocument/2006/relationships" xmlns:p="http://schemas.openxmlformats.org/presentationml/2006/main">
-  <p:cSld>
-    <p:spTree>
-      <p:nvGrpSpPr>
-        <p:cNvPr id="1" name=""/>
-        <p:cNvGrpSpPr/>
-        <p:nvPr/>
-      </p:nvGrpSpPr>
-      <p:grpSpPr>
-        <a:xfrm>
-          <a:off x="0" y="0"/>
-          <a:ext cx="0" cy="0"/>
-          <a:chOff x="0" y="0"/>
-          <a:chExt cx="0" cy="0"/>
-        </a:xfrm>
-      </p:grpSpPr>
-      <p:sp>
-        <p:nvSpPr>
-          <p:cNvPr id="9218" name="Rectangle 4"/>
-          <p:cNvSpPr>
-            <a:spLocks noGrp="1" noChangeArrowheads="1"/>
-          </p:cNvSpPr>
-          <p:nvPr>
-            <p:ph type="title"/>
-          </p:nvPr>
-        </p:nvSpPr>
-        <p:spPr>
-          <a:xfrm>
-            <a:off x="609600" y="533400"/>
-            <a:ext cx="8229600" cy="792162"/>
-          </a:xfrm>
-        </p:spPr>
-        <p:txBody>
-          <a:bodyPr/>
-          <a:lstStyle/>
-          <a:p>
-            <a:r>
-              <a:rPr lang="en-US" dirty="0" smtClean="0"/>
-              <a:t>Business Rules</a:t>
-            </a:r>
-          </a:p>
-        </p:txBody>
-      </p:sp>
-      <p:sp>
-        <p:nvSpPr>
-          <p:cNvPr id="9219" name="Rectangle 5"/>
-          <p:cNvSpPr>
-            <a:spLocks noGrp="1" noChangeArrowheads="1"/>
-          </p:cNvSpPr>
-          <p:nvPr>
-            <p:ph type="body" idx="1"/>
-          </p:nvPr>
-        </p:nvSpPr>
-        <p:spPr>
-          <a:xfrm>
-            <a:off x="427703" y="1696065"/>
-            <a:ext cx="8077200" cy="5181600"/>
-          </a:xfrm>
-        </p:spPr>
-        <p:txBody>
-          <a:bodyPr>
-            <a:normAutofit/>
-          </a:bodyPr>
-          <a:lstStyle/>
-          <a:p>
-            <a:r>
-              <a:rPr lang="en-US" sz="2400" smtClean="0">
-                <a:solidFill>
-                  <a:srgbClr val="FF0000"/>
-                </a:solidFill>
-              </a:rPr>
-              <a:t>Business rules</a:t>
-            </a:r>
-            <a:r>
-              <a:rPr lang="en-US" sz="2400" smtClean="0"/>
-              <a:t> are </a:t>
-            </a:r>
-            <a:r>
-              <a:rPr lang="en-US" sz="2400" smtClean="0">
-                <a:solidFill>
-                  <a:srgbClr val="0070C0"/>
-                </a:solidFill>
-              </a:rPr>
-              <a:t>descriptions </a:t>
-            </a:r>
-            <a:r>
-              <a:rPr lang="en-US" sz="2400" dirty="0" smtClean="0">
-                <a:solidFill>
-                  <a:srgbClr val="0070C0"/>
-                </a:solidFill>
-              </a:rPr>
-              <a:t>of policies, procedures, or principles within a </a:t>
-            </a:r>
-            <a:r>
-              <a:rPr lang="en-US" sz="2400" smtClean="0">
-                <a:solidFill>
-                  <a:srgbClr val="0070C0"/>
-                </a:solidFill>
-              </a:rPr>
-              <a:t>specific organization that relate to the organization's use of data.</a:t>
-            </a:r>
-          </a:p>
-          <a:p>
-            <a:r>
-              <a:rPr lang="en-US" sz="2400" smtClean="0"/>
-              <a:t>Business rules describe the characteristics of the organization's data </a:t>
-            </a:r>
-            <a:r>
-              <a:rPr lang="en-US" sz="2400" dirty="0" smtClean="0"/>
-              <a:t>as viewed by </a:t>
-            </a:r>
-            <a:r>
-              <a:rPr lang="en-US" sz="2400" smtClean="0"/>
-              <a:t>the organization. </a:t>
-            </a:r>
-          </a:p>
-          <a:p>
-            <a:pPr lvl="1"/>
-            <a:r>
-              <a:rPr lang="en-US" sz="2000" smtClean="0"/>
-              <a:t>NOTE: The "organization" may not be a business.</a:t>
-            </a:r>
-          </a:p>
-          <a:p>
-            <a:r>
-              <a:rPr lang="en-US" sz="2400" smtClean="0"/>
-              <a:t>Ideally, each business rule should be </a:t>
-            </a:r>
-            <a:r>
-              <a:rPr lang="en-US" sz="2400" smtClean="0">
-                <a:solidFill>
-                  <a:srgbClr val="00B050"/>
-                </a:solidFill>
-              </a:rPr>
-              <a:t>brief, precise, unambiguous, </a:t>
-            </a:r>
-            <a:r>
-              <a:rPr lang="en-US" sz="2400" smtClean="0"/>
-              <a:t>and </a:t>
-            </a:r>
-            <a:r>
-              <a:rPr lang="en-US" sz="2400" smtClean="0">
-                <a:solidFill>
-                  <a:srgbClr val="00B050"/>
-                </a:solidFill>
-              </a:rPr>
-              <a:t>accurate</a:t>
-            </a:r>
-            <a:r>
-              <a:rPr lang="en-US" sz="2400" smtClean="0"/>
-              <a:t>.</a:t>
-            </a:r>
-          </a:p>
-          <a:p>
-            <a:r>
-              <a:rPr lang="en-US" sz="2400" smtClean="0"/>
-              <a:t>E.g.</a:t>
-            </a:r>
-          </a:p>
-          <a:p>
-            <a:pPr lvl="1"/>
-            <a:r>
-              <a:rPr lang="en-US" sz="2000" smtClean="0"/>
-              <a:t>A customer may generate many invoices.</a:t>
-            </a:r>
-          </a:p>
-          <a:p>
-            <a:pPr lvl="1"/>
-            <a:r>
-              <a:rPr lang="en-US" sz="2000" smtClean="0"/>
-              <a:t>An invoice is generated by only one customer.</a:t>
-            </a:r>
-          </a:p>
-          <a:p>
-            <a:pPr lvl="1"/>
-            <a:r>
-              <a:rPr lang="en-US" sz="2000" smtClean="0"/>
-              <a:t>A training session cannot be scheduled for fewer than 10 or more than 30 employees.</a:t>
-            </a:r>
-          </a:p>
-          <a:p>
-            <a:endParaRPr lang="en-US" sz="2400" smtClean="0"/>
-          </a:p>
-          <a:p>
-            <a:endParaRPr lang="en-US" sz="2400" dirty="0" smtClean="0"/>
-          </a:p>
-        </p:txBody>
-      </p:sp>
-    </p:spTree>
-    <p:extLst>
-      <p:ext uri="{BB962C8B-B14F-4D97-AF65-F5344CB8AC3E}">
-        <p14:creationId xmlns:p14="http://schemas.microsoft.com/office/powerpoint/2010/main" val="415984901"/>
       </p:ext>
     </p:extLst>
   </p:cSld>
